--- a/2-html/HTML CSS 2.pptx
+++ b/2-html/HTML CSS 2.pptx
@@ -16,8 +16,8 @@
     <p:sldId id="272" r:id="rId10"/>
     <p:sldId id="264" r:id="rId11"/>
     <p:sldId id="268" r:id="rId12"/>
-    <p:sldId id="265" r:id="rId13"/>
-    <p:sldId id="266" r:id="rId14"/>
+    <p:sldId id="266" r:id="rId13"/>
+    <p:sldId id="265" r:id="rId14"/>
     <p:sldId id="273" r:id="rId15"/>
     <p:sldId id="271" r:id="rId16"/>
     <p:sldId id="270" r:id="rId17"/>
@@ -750,7 +750,7 @@
           <a:p>
             <a:fld id="{4315EBED-2A1E-4F20-9937-5A37C1806243}" type="datetimeFigureOut">
               <a:rPr lang="en-US" smtClean="0"/>
-              <a:t>11/17/2024</a:t>
+              <a:t>8/30/2025</a:t>
             </a:fld>
             <a:endParaRPr lang="en-US"/>
           </a:p>
@@ -946,7 +946,7 @@
           <a:p>
             <a:fld id="{4315EBED-2A1E-4F20-9937-5A37C1806243}" type="datetimeFigureOut">
               <a:rPr lang="en-US" smtClean="0"/>
-              <a:t>11/17/2024</a:t>
+              <a:t>8/30/2025</a:t>
             </a:fld>
             <a:endParaRPr lang="en-US"/>
           </a:p>
@@ -1131,7 +1131,7 @@
           <a:p>
             <a:fld id="{4315EBED-2A1E-4F20-9937-5A37C1806243}" type="datetimeFigureOut">
               <a:rPr lang="en-US" smtClean="0"/>
-              <a:t>11/17/2024</a:t>
+              <a:t>8/30/2025</a:t>
             </a:fld>
             <a:endParaRPr lang="en-US"/>
           </a:p>
@@ -1281,7 +1281,7 @@
           <a:p>
             <a:fld id="{4315EBED-2A1E-4F20-9937-5A37C1806243}" type="datetimeFigureOut">
               <a:rPr lang="en-US" smtClean="0"/>
-              <a:t>11/17/2024</a:t>
+              <a:t>8/30/2025</a:t>
             </a:fld>
             <a:endParaRPr lang="en-US"/>
           </a:p>
@@ -1536,7 +1536,7 @@
           <a:p>
             <a:fld id="{4315EBED-2A1E-4F20-9937-5A37C1806243}" type="datetimeFigureOut">
               <a:rPr lang="en-US" smtClean="0"/>
-              <a:t>11/17/2024</a:t>
+              <a:t>8/30/2025</a:t>
             </a:fld>
             <a:endParaRPr lang="en-US"/>
           </a:p>
@@ -1945,7 +1945,7 @@
           <a:p>
             <a:fld id="{4315EBED-2A1E-4F20-9937-5A37C1806243}" type="datetimeFigureOut">
               <a:rPr lang="en-US" smtClean="0"/>
-              <a:t>11/17/2024</a:t>
+              <a:t>8/30/2025</a:t>
             </a:fld>
             <a:endParaRPr lang="en-US"/>
           </a:p>
@@ -2391,7 +2391,7 @@
           <a:p>
             <a:fld id="{4315EBED-2A1E-4F20-9937-5A37C1806243}" type="datetimeFigureOut">
               <a:rPr lang="en-US" smtClean="0"/>
-              <a:t>11/17/2024</a:t>
+              <a:t>8/30/2025</a:t>
             </a:fld>
             <a:endParaRPr lang="en-US"/>
           </a:p>
@@ -2492,7 +2492,7 @@
           <a:p>
             <a:fld id="{4315EBED-2A1E-4F20-9937-5A37C1806243}" type="datetimeFigureOut">
               <a:rPr lang="en-US" smtClean="0"/>
-              <a:t>11/17/2024</a:t>
+              <a:t>8/30/2025</a:t>
             </a:fld>
             <a:endParaRPr lang="en-US"/>
           </a:p>
@@ -2613,7 +2613,7 @@
           <a:p>
             <a:fld id="{4315EBED-2A1E-4F20-9937-5A37C1806243}" type="datetimeFigureOut">
               <a:rPr lang="en-US" smtClean="0"/>
-              <a:t>11/17/2024</a:t>
+              <a:t>8/30/2025</a:t>
             </a:fld>
             <a:endParaRPr lang="en-US"/>
           </a:p>
@@ -2887,7 +2887,7 @@
           <a:p>
             <a:fld id="{4315EBED-2A1E-4F20-9937-5A37C1806243}" type="datetimeFigureOut">
               <a:rPr lang="en-US" smtClean="0"/>
-              <a:t>11/17/2024</a:t>
+              <a:t>8/30/2025</a:t>
             </a:fld>
             <a:endParaRPr lang="en-US"/>
           </a:p>
@@ -3092,7 +3092,7 @@
           <a:p>
             <a:fld id="{4315EBED-2A1E-4F20-9937-5A37C1806243}" type="datetimeFigureOut">
               <a:rPr lang="en-US" smtClean="0"/>
-              <a:t>11/17/2024</a:t>
+              <a:t>8/30/2025</a:t>
             </a:fld>
             <a:endParaRPr lang="en-US"/>
           </a:p>
@@ -4201,7 +4201,7 @@
           <a:p>
             <a:fld id="{4315EBED-2A1E-4F20-9937-5A37C1806243}" type="datetimeFigureOut">
               <a:rPr lang="en-US" smtClean="0"/>
-              <a:t>11/17/2024</a:t>
+              <a:t>8/30/2025</a:t>
             </a:fld>
             <a:endParaRPr lang="en-US"/>
           </a:p>
@@ -5227,6 +5227,13 @@
   <p:clrMapOvr>
     <a:masterClrMapping/>
   </p:clrMapOvr>
+  <p:timing>
+    <p:tnLst>
+      <p:par>
+        <p:cTn id="1" dur="indefinite" restart="never" nodeType="tmRoot"/>
+      </p:par>
+    </p:tnLst>
+  </p:timing>
 </p:sld>
 </file>
 
@@ -5259,8 +5266,8 @@
         </p:nvSpPr>
         <p:spPr>
           <a:xfrm>
-            <a:off x="457200" y="533400"/>
-            <a:ext cx="8229600" cy="6019800"/>
+            <a:off x="457200" y="1219200"/>
+            <a:ext cx="8229600" cy="4525963"/>
           </a:xfrm>
         </p:spPr>
         <p:txBody>
@@ -5270,301 +5277,120 @@
           <a:lstStyle/>
           <a:p>
             <a:r>
-              <a:rPr lang="en-US" sz="800" dirty="0"/>
+              <a:rPr lang="en-US" sz="1600" dirty="0"/>
               <a:t>&lt;!DOCTYPE html&gt;</a:t>
             </a:r>
           </a:p>
           <a:p>
             <a:r>
-              <a:rPr lang="en-US" sz="800" dirty="0"/>
+              <a:rPr lang="en-US" sz="1600" dirty="0"/>
               <a:t>&lt;html lang="fa"&gt;</a:t>
             </a:r>
           </a:p>
           <a:p>
             <a:r>
-              <a:rPr lang="en-US" sz="800" dirty="0"/>
-              <a:t>&lt;head&gt;</a:t>
-            </a:r>
-          </a:p>
-          <a:p>
-            <a:r>
-              <a:rPr lang="en-US" sz="800" dirty="0"/>
-              <a:t>    &lt;meta charset="UTF-8"&gt;</a:t>
-            </a:r>
-          </a:p>
-          <a:p>
-            <a:r>
-              <a:rPr lang="en-US" sz="800" dirty="0"/>
-              <a:t>    &lt;meta name="viewport" content="width=device-width, initial-scale=1.0"&gt;</a:t>
-            </a:r>
-          </a:p>
-          <a:p>
-            <a:r>
-              <a:rPr lang="en-US" sz="800" dirty="0"/>
+              <a:rPr lang="en-US" sz="1600" dirty="0"/>
+              <a:t>&lt;head</a:t>
+            </a:r>
+            <a:r>
+              <a:rPr lang="en-US" sz="1600" dirty="0" smtClean="0"/>
+              <a:t>&gt;</a:t>
+            </a:r>
+            <a:endParaRPr lang="en-US" sz="1600" dirty="0"/>
+          </a:p>
+          <a:p>
+            <a:r>
+              <a:rPr lang="en-US" sz="1600" dirty="0"/>
               <a:t>    &lt;title&gt;</a:t>
             </a:r>
             <a:r>
-              <a:rPr lang="fa-IR" sz="800" dirty="0"/>
-              <a:t>نمونه تگ‌های ساختاری&lt;/</a:t>
-            </a:r>
-            <a:r>
-              <a:rPr lang="en-US" sz="800" dirty="0"/>
-              <a:t>title&gt;</a:t>
-            </a:r>
-          </a:p>
-          <a:p>
-            <a:r>
-              <a:rPr lang="en-US" sz="800" dirty="0"/>
+              <a:rPr lang="fa-IR" sz="1600" dirty="0"/>
+              <a:t>نمونه تگ‌های لینک‌دهی&lt;/</a:t>
+            </a:r>
+            <a:r>
+              <a:rPr lang="en-US" sz="1600" dirty="0"/>
+              <a:t>title</a:t>
+            </a:r>
+            <a:r>
+              <a:rPr lang="en-US" sz="1600" dirty="0" smtClean="0"/>
+              <a:t>&gt;</a:t>
+            </a:r>
+          </a:p>
+          <a:p>
+            <a:r>
+              <a:rPr lang="en-US" sz="1600" dirty="0" smtClean="0"/>
+              <a:t>    &lt;</a:t>
+            </a:r>
+            <a:r>
+              <a:rPr lang="en-US" sz="1600" dirty="0"/>
+              <a:t>link rel="stylesheet" href="styles.css</a:t>
+            </a:r>
+            <a:r>
+              <a:rPr lang="en-US" sz="1600" dirty="0" smtClean="0"/>
+              <a:t>"&gt;</a:t>
+            </a:r>
+            <a:endParaRPr lang="en-US" sz="1600" dirty="0"/>
+          </a:p>
+          <a:p>
+            <a:r>
+              <a:rPr lang="en-US" sz="1600" dirty="0"/>
               <a:t>&lt;/head&gt;</a:t>
             </a:r>
           </a:p>
           <a:p>
             <a:r>
-              <a:rPr lang="en-US" sz="800" dirty="0"/>
+              <a:rPr lang="en-US" sz="1600" dirty="0"/>
               <a:t>&lt;body&gt;</a:t>
             </a:r>
           </a:p>
           <a:p>
             <a:r>
-              <a:rPr lang="en-US" sz="800" dirty="0"/>
-              <a:t>    &lt;header&gt;</a:t>
-            </a:r>
-          </a:p>
-          <a:p>
-            <a:r>
-              <a:rPr lang="en-US" sz="800" dirty="0"/>
-              <a:t>        &lt;h1&gt;</a:t>
-            </a:r>
-            <a:r>
-              <a:rPr lang="fa-IR" sz="800" dirty="0"/>
-              <a:t>عنوان سایت&lt;/</a:t>
-            </a:r>
-            <a:r>
-              <a:rPr lang="en-US" sz="800" dirty="0"/>
-              <a:t>h1&gt;</a:t>
-            </a:r>
-          </a:p>
-          <a:p>
-            <a:r>
-              <a:rPr lang="en-US" sz="800" dirty="0"/>
-              <a:t>        &lt;nav&gt;</a:t>
-            </a:r>
-          </a:p>
-          <a:p>
-            <a:r>
-              <a:rPr lang="en-US" sz="800" dirty="0"/>
-              <a:t>            &lt;ul&gt;</a:t>
-            </a:r>
-          </a:p>
-          <a:p>
-            <a:r>
-              <a:rPr lang="en-US" sz="800" dirty="0"/>
-              <a:t>                &lt;li&gt;&lt;a href="#home"&gt;</a:t>
-            </a:r>
-            <a:r>
-              <a:rPr lang="fa-IR" sz="800" dirty="0"/>
-              <a:t>خانه&lt;/</a:t>
-            </a:r>
-            <a:r>
-              <a:rPr lang="en-US" sz="800" dirty="0"/>
-              <a:t>a&gt;&lt;/li&gt;</a:t>
-            </a:r>
-          </a:p>
-          <a:p>
-            <a:r>
-              <a:rPr lang="en-US" sz="800" dirty="0"/>
-              <a:t>                &lt;li&gt;&lt;a href="#about"&gt;</a:t>
-            </a:r>
-            <a:r>
-              <a:rPr lang="fa-IR" sz="800" dirty="0"/>
-              <a:t>درباره ما&lt;/</a:t>
-            </a:r>
-            <a:r>
-              <a:rPr lang="en-US" sz="800" dirty="0"/>
-              <a:t>a&gt;&lt;/li&gt;</a:t>
-            </a:r>
-          </a:p>
-          <a:p>
-            <a:r>
-              <a:rPr lang="en-US" sz="800" dirty="0"/>
-              <a:t>                &lt;li&gt;&lt;a href="#services"&gt;</a:t>
-            </a:r>
-            <a:r>
-              <a:rPr lang="fa-IR" sz="800" dirty="0"/>
-              <a:t>خدمات&lt;/</a:t>
-            </a:r>
-            <a:r>
-              <a:rPr lang="en-US" sz="800" dirty="0"/>
-              <a:t>a&gt;&lt;/li&gt;</a:t>
-            </a:r>
-          </a:p>
-          <a:p>
-            <a:r>
-              <a:rPr lang="en-US" sz="800" dirty="0"/>
-              <a:t>                &lt;li&gt;&lt;a href="#contact"&gt;</a:t>
-            </a:r>
-            <a:r>
-              <a:rPr lang="fa-IR" sz="800" dirty="0"/>
-              <a:t>تماس&lt;/</a:t>
-            </a:r>
-            <a:r>
-              <a:rPr lang="en-US" sz="800" dirty="0"/>
-              <a:t>a&gt;&lt;/li&gt;</a:t>
-            </a:r>
-          </a:p>
-          <a:p>
-            <a:r>
-              <a:rPr lang="en-US" sz="800" dirty="0"/>
-              <a:t>            &lt;/ul&gt;</a:t>
-            </a:r>
-          </a:p>
-          <a:p>
-            <a:r>
-              <a:rPr lang="en-US" sz="800" dirty="0"/>
-              <a:t>        &lt;/nav&gt;</a:t>
-            </a:r>
-          </a:p>
-          <a:p>
-            <a:r>
-              <a:rPr lang="en-US" sz="800" dirty="0"/>
-              <a:t>    &lt;/header</a:t>
-            </a:r>
-            <a:r>
-              <a:rPr lang="en-US" sz="800" dirty="0" smtClean="0"/>
-              <a:t>&gt;</a:t>
-            </a:r>
-            <a:endParaRPr lang="en-US" sz="800" dirty="0"/>
-          </a:p>
-          <a:p>
-            <a:r>
-              <a:rPr lang="en-US" sz="800" dirty="0"/>
-              <a:t>    &lt;section&gt;</a:t>
-            </a:r>
-          </a:p>
-          <a:p>
-            <a:r>
-              <a:rPr lang="en-US" sz="800" dirty="0"/>
-              <a:t>        &lt;h2&gt;</a:t>
-            </a:r>
-            <a:r>
-              <a:rPr lang="fa-IR" sz="800" dirty="0"/>
-              <a:t>درباره ما&lt;/</a:t>
-            </a:r>
-            <a:r>
-              <a:rPr lang="en-US" sz="800" dirty="0"/>
-              <a:t>h2&gt;</a:t>
-            </a:r>
-          </a:p>
-          <a:p>
-            <a:r>
-              <a:rPr lang="en-US" sz="800" dirty="0"/>
-              <a:t>        &lt;p&gt;</a:t>
-            </a:r>
-            <a:r>
-              <a:rPr lang="fa-IR" sz="800" dirty="0"/>
-              <a:t>ما یک شرکت تکنولوژی هستیم.&lt;/</a:t>
-            </a:r>
-            <a:r>
-              <a:rPr lang="en-US" sz="800" dirty="0"/>
-              <a:t>p&gt;</a:t>
-            </a:r>
-          </a:p>
-          <a:p>
-            <a:r>
-              <a:rPr lang="en-US" sz="800" dirty="0"/>
-              <a:t>    &lt;/section</a:t>
-            </a:r>
-            <a:r>
-              <a:rPr lang="en-US" sz="800" dirty="0" smtClean="0"/>
-              <a:t>&gt;</a:t>
-            </a:r>
-            <a:endParaRPr lang="en-US" sz="800" dirty="0"/>
-          </a:p>
-          <a:p>
-            <a:r>
-              <a:rPr lang="en-US" sz="800" dirty="0"/>
-              <a:t>    &lt;article&gt;</a:t>
-            </a:r>
-          </a:p>
-          <a:p>
-            <a:r>
-              <a:rPr lang="en-US" sz="800" dirty="0"/>
-              <a:t>        &lt;h2&gt;</a:t>
-            </a:r>
-            <a:r>
-              <a:rPr lang="fa-IR" sz="800" dirty="0"/>
-              <a:t>مقاله مهم&lt;/</a:t>
-            </a:r>
-            <a:r>
-              <a:rPr lang="en-US" sz="800" dirty="0"/>
-              <a:t>h2&gt;</a:t>
-            </a:r>
-          </a:p>
-          <a:p>
-            <a:r>
-              <a:rPr lang="en-US" sz="800" dirty="0"/>
-              <a:t>        &lt;p&gt;</a:t>
-            </a:r>
-            <a:r>
-              <a:rPr lang="fa-IR" sz="800" dirty="0"/>
-              <a:t>این یک مقاله مهم در زمینه برنامه‌نویسی است.&lt;/</a:t>
-            </a:r>
-            <a:r>
-              <a:rPr lang="en-US" sz="800" dirty="0"/>
-              <a:t>p&gt;</a:t>
-            </a:r>
-          </a:p>
-          <a:p>
-            <a:r>
-              <a:rPr lang="en-US" sz="800" dirty="0"/>
-              <a:t>    &lt;/article</a:t>
-            </a:r>
-            <a:r>
-              <a:rPr lang="en-US" sz="800" dirty="0" smtClean="0"/>
-              <a:t>&gt;</a:t>
-            </a:r>
-            <a:endParaRPr lang="en-US" sz="800" dirty="0"/>
-          </a:p>
-          <a:p>
-            <a:r>
-              <a:rPr lang="en-US" sz="800" dirty="0"/>
-              <a:t>    &lt;footer&gt;</a:t>
-            </a:r>
-          </a:p>
-          <a:p>
-            <a:r>
-              <a:rPr lang="en-US" sz="800" dirty="0"/>
-              <a:t>        &lt;p&gt;&amp;copy; 2024 </a:t>
-            </a:r>
-            <a:r>
-              <a:rPr lang="fa-IR" sz="800" dirty="0"/>
-              <a:t>شرکت ما. تمامی حقوق محفوظ است.&lt;/</a:t>
-            </a:r>
-            <a:r>
-              <a:rPr lang="en-US" sz="800" dirty="0"/>
-              <a:t>p&gt;</a:t>
-            </a:r>
-          </a:p>
-          <a:p>
-            <a:r>
-              <a:rPr lang="en-US" sz="800" dirty="0"/>
-              <a:t>    &lt;/footer&gt;</a:t>
-            </a:r>
-          </a:p>
-          <a:p>
-            <a:r>
-              <a:rPr lang="en-US" sz="800" dirty="0"/>
-              <a:t>&lt;/body&gt;</a:t>
-            </a:r>
-          </a:p>
-          <a:p>
-            <a:r>
-              <a:rPr lang="en-US" sz="800" dirty="0"/>
+              <a:rPr lang="en-US" sz="1600" dirty="0"/>
+              <a:t>    &lt;h1&gt;</a:t>
+            </a:r>
+            <a:r>
+              <a:rPr lang="fa-IR" sz="1600" dirty="0"/>
+              <a:t>لینک‌دهی در </a:t>
+            </a:r>
+            <a:r>
+              <a:rPr lang="en-US" sz="1600" dirty="0"/>
+              <a:t>HTML&lt;/h1&gt;</a:t>
+            </a:r>
+          </a:p>
+          <a:p>
+            <a:r>
+              <a:rPr lang="en-US" sz="1600" dirty="0"/>
+              <a:t>    </a:t>
+            </a:r>
+            <a:r>
+              <a:rPr lang="en-US" sz="1600" dirty="0" smtClean="0"/>
+              <a:t>&lt;a </a:t>
+            </a:r>
+            <a:r>
+              <a:rPr lang="en-US" sz="1600" dirty="0"/>
+              <a:t>href = “#” </a:t>
+            </a:r>
+            <a:r>
+              <a:rPr lang="en-US" sz="1600" dirty="0" smtClean="0"/>
+              <a:t>&gt; this is link&lt;/a&gt;</a:t>
+            </a:r>
+            <a:endParaRPr lang="en-US" sz="1600" dirty="0"/>
+          </a:p>
+          <a:p>
+            <a:r>
+              <a:rPr lang="en-US" sz="1600" dirty="0" smtClean="0"/>
+              <a:t>&lt;/</a:t>
+            </a:r>
+            <a:r>
+              <a:rPr lang="en-US" sz="1600" dirty="0"/>
+              <a:t>body&gt;</a:t>
+            </a:r>
+          </a:p>
+          <a:p>
+            <a:r>
+              <a:rPr lang="en-US" sz="1600" dirty="0"/>
               <a:t>&lt;/html&gt;</a:t>
             </a:r>
-          </a:p>
-          <a:p>
-            <a:endParaRPr lang="en-US" sz="700" dirty="0"/>
           </a:p>
         </p:txBody>
       </p:sp>
@@ -5581,7 +5407,7 @@
         <p:spPr>
           <a:xfrm>
             <a:off x="457200" y="274638"/>
-            <a:ext cx="8229600" cy="563562"/>
+            <a:ext cx="8229600" cy="639762"/>
           </a:xfrm>
         </p:spPr>
         <p:txBody>
@@ -5591,41 +5417,42 @@
           <a:lstStyle/>
           <a:p>
             <a:r>
-              <a:rPr lang="en-US" sz="2000" dirty="0" smtClean="0"/>
-              <a:t>Structural </a:t>
-            </a:r>
-            <a:r>
-              <a:rPr lang="en-US" sz="2000" dirty="0"/>
+              <a:rPr lang="en-US" sz="2400" dirty="0" smtClean="0"/>
+              <a:t>Linking </a:t>
+            </a:r>
+            <a:r>
+              <a:rPr lang="en-US" sz="2400" dirty="0"/>
               <a:t>Tags - </a:t>
             </a:r>
             <a:r>
-              <a:rPr lang="fa-IR" sz="2000" dirty="0"/>
-              <a:t>تگ‌های ساختاری</a:t>
-            </a:r>
-            <a:br>
-              <a:rPr lang="fa-IR" sz="2000" dirty="0"/>
-            </a:br>
-            <a:r>
-              <a:rPr lang="en-US" sz="2000" dirty="0"/>
-              <a:t/>
-            </a:r>
-            <a:br>
-              <a:rPr lang="en-US" sz="2000" dirty="0"/>
-            </a:br>
-            <a:endParaRPr lang="en-US" sz="2000" dirty="0"/>
+              <a:rPr lang="fa-IR" sz="2400" dirty="0"/>
+              <a:t>تگ‌های </a:t>
+            </a:r>
+            <a:r>
+              <a:rPr lang="fa-IR" sz="2400" dirty="0" smtClean="0"/>
+              <a:t>لینک‌دهی</a:t>
+            </a:r>
+            <a:endParaRPr lang="en-US" sz="2400" dirty="0"/>
           </a:p>
         </p:txBody>
       </p:sp>
     </p:spTree>
     <p:extLst>
       <p:ext uri="{BB962C8B-B14F-4D97-AF65-F5344CB8AC3E}">
-        <p14:creationId xmlns:p14="http://schemas.microsoft.com/office/powerpoint/2010/main" val="2568510878"/>
+        <p14:creationId xmlns:p14="http://schemas.microsoft.com/office/powerpoint/2010/main" val="1579947098"/>
       </p:ext>
     </p:extLst>
   </p:cSld>
   <p:clrMapOvr>
     <a:masterClrMapping/>
   </p:clrMapOvr>
+  <p:timing>
+    <p:tnLst>
+      <p:par>
+        <p:cTn id="1" dur="indefinite" restart="never" nodeType="tmRoot"/>
+      </p:par>
+    </p:tnLst>
+  </p:timing>
 </p:sld>
 </file>
 
@@ -5658,8 +5485,8 @@
         </p:nvSpPr>
         <p:spPr>
           <a:xfrm>
-            <a:off x="457200" y="1219200"/>
-            <a:ext cx="8229600" cy="4525963"/>
+            <a:off x="457200" y="533400"/>
+            <a:ext cx="8229600" cy="6019800"/>
           </a:xfrm>
         </p:spPr>
         <p:txBody>
@@ -5669,120 +5496,301 @@
           <a:lstStyle/>
           <a:p>
             <a:r>
-              <a:rPr lang="en-US" sz="1600" dirty="0"/>
+              <a:rPr lang="en-US" sz="800" dirty="0"/>
               <a:t>&lt;!DOCTYPE html&gt;</a:t>
             </a:r>
           </a:p>
           <a:p>
             <a:r>
-              <a:rPr lang="en-US" sz="1600" dirty="0"/>
+              <a:rPr lang="en-US" sz="800" dirty="0"/>
               <a:t>&lt;html lang="fa"&gt;</a:t>
             </a:r>
           </a:p>
           <a:p>
             <a:r>
-              <a:rPr lang="en-US" sz="1600" dirty="0"/>
-              <a:t>&lt;head</a:t>
-            </a:r>
-            <a:r>
-              <a:rPr lang="en-US" sz="1600" dirty="0" smtClean="0"/>
+              <a:rPr lang="en-US" sz="800" dirty="0"/>
+              <a:t>&lt;head&gt;</a:t>
+            </a:r>
+          </a:p>
+          <a:p>
+            <a:r>
+              <a:rPr lang="en-US" sz="800" dirty="0"/>
+              <a:t>    &lt;meta charset="UTF-8"&gt;</a:t>
+            </a:r>
+          </a:p>
+          <a:p>
+            <a:r>
+              <a:rPr lang="en-US" sz="800" dirty="0"/>
+              <a:t>    &lt;meta name="viewport" content="width=device-width, initial-scale=1.0"&gt;</a:t>
+            </a:r>
+          </a:p>
+          <a:p>
+            <a:r>
+              <a:rPr lang="en-US" sz="800" dirty="0"/>
+              <a:t>    &lt;title&gt;</a:t>
+            </a:r>
+            <a:r>
+              <a:rPr lang="fa-IR" sz="800" dirty="0"/>
+              <a:t>نمونه تگ‌های ساختاری&lt;/</a:t>
+            </a:r>
+            <a:r>
+              <a:rPr lang="en-US" sz="800" dirty="0"/>
+              <a:t>title&gt;</a:t>
+            </a:r>
+          </a:p>
+          <a:p>
+            <a:r>
+              <a:rPr lang="en-US" sz="800" dirty="0"/>
+              <a:t>&lt;/head&gt;</a:t>
+            </a:r>
+          </a:p>
+          <a:p>
+            <a:r>
+              <a:rPr lang="en-US" sz="800" dirty="0"/>
+              <a:t>&lt;body&gt;</a:t>
+            </a:r>
+          </a:p>
+          <a:p>
+            <a:r>
+              <a:rPr lang="en-US" sz="800" dirty="0"/>
+              <a:t>    &lt;header&gt;</a:t>
+            </a:r>
+          </a:p>
+          <a:p>
+            <a:r>
+              <a:rPr lang="en-US" sz="800" dirty="0"/>
+              <a:t>        &lt;h1&gt;</a:t>
+            </a:r>
+            <a:r>
+              <a:rPr lang="fa-IR" sz="800" dirty="0"/>
+              <a:t>عنوان سایت&lt;/</a:t>
+            </a:r>
+            <a:r>
+              <a:rPr lang="en-US" sz="800" dirty="0"/>
+              <a:t>h1&gt;</a:t>
+            </a:r>
+          </a:p>
+          <a:p>
+            <a:r>
+              <a:rPr lang="en-US" sz="800" dirty="0"/>
+              <a:t>        &lt;nav&gt;</a:t>
+            </a:r>
+          </a:p>
+          <a:p>
+            <a:r>
+              <a:rPr lang="en-US" sz="800" dirty="0"/>
+              <a:t>            &lt;ul&gt;</a:t>
+            </a:r>
+          </a:p>
+          <a:p>
+            <a:r>
+              <a:rPr lang="en-US" sz="800" dirty="0"/>
+              <a:t>                &lt;li&gt;&lt;a href="#home"&gt;</a:t>
+            </a:r>
+            <a:r>
+              <a:rPr lang="fa-IR" sz="800" dirty="0"/>
+              <a:t>خانه&lt;/</a:t>
+            </a:r>
+            <a:r>
+              <a:rPr lang="en-US" sz="800" dirty="0"/>
+              <a:t>a&gt;&lt;/li&gt;</a:t>
+            </a:r>
+          </a:p>
+          <a:p>
+            <a:r>
+              <a:rPr lang="en-US" sz="800" dirty="0"/>
+              <a:t>                &lt;li&gt;&lt;a href="#about"&gt;</a:t>
+            </a:r>
+            <a:r>
+              <a:rPr lang="fa-IR" sz="800" dirty="0"/>
+              <a:t>درباره ما&lt;/</a:t>
+            </a:r>
+            <a:r>
+              <a:rPr lang="en-US" sz="800" dirty="0"/>
+              <a:t>a&gt;&lt;/li&gt;</a:t>
+            </a:r>
+          </a:p>
+          <a:p>
+            <a:r>
+              <a:rPr lang="en-US" sz="800" dirty="0"/>
+              <a:t>                &lt;li&gt;&lt;a href="#services"&gt;</a:t>
+            </a:r>
+            <a:r>
+              <a:rPr lang="fa-IR" sz="800" dirty="0"/>
+              <a:t>خدمات&lt;/</a:t>
+            </a:r>
+            <a:r>
+              <a:rPr lang="en-US" sz="800" dirty="0"/>
+              <a:t>a&gt;&lt;/li&gt;</a:t>
+            </a:r>
+          </a:p>
+          <a:p>
+            <a:r>
+              <a:rPr lang="en-US" sz="800" dirty="0"/>
+              <a:t>                &lt;li&gt;&lt;a href="#contact"&gt;</a:t>
+            </a:r>
+            <a:r>
+              <a:rPr lang="fa-IR" sz="800" dirty="0"/>
+              <a:t>تماس&lt;/</a:t>
+            </a:r>
+            <a:r>
+              <a:rPr lang="en-US" sz="800" dirty="0"/>
+              <a:t>a&gt;&lt;/li&gt;</a:t>
+            </a:r>
+          </a:p>
+          <a:p>
+            <a:r>
+              <a:rPr lang="en-US" sz="800" dirty="0"/>
+              <a:t>            &lt;/ul&gt;</a:t>
+            </a:r>
+          </a:p>
+          <a:p>
+            <a:r>
+              <a:rPr lang="en-US" sz="800" dirty="0"/>
+              <a:t>        &lt;/nav&gt;</a:t>
+            </a:r>
+          </a:p>
+          <a:p>
+            <a:r>
+              <a:rPr lang="en-US" sz="800" dirty="0"/>
+              <a:t>    &lt;/header</a:t>
+            </a:r>
+            <a:r>
+              <a:rPr lang="en-US" sz="800" dirty="0" smtClean="0"/>
               <a:t>&gt;</a:t>
             </a:r>
-            <a:endParaRPr lang="en-US" sz="1600" dirty="0"/>
-          </a:p>
-          <a:p>
-            <a:r>
-              <a:rPr lang="en-US" sz="1600" dirty="0"/>
-              <a:t>    &lt;title&gt;</a:t>
-            </a:r>
-            <a:r>
-              <a:rPr lang="fa-IR" sz="1600" dirty="0"/>
-              <a:t>نمونه تگ‌های لینک‌دهی&lt;/</a:t>
-            </a:r>
-            <a:r>
-              <a:rPr lang="en-US" sz="1600" dirty="0"/>
-              <a:t>title</a:t>
-            </a:r>
-            <a:r>
-              <a:rPr lang="en-US" sz="1600" dirty="0" smtClean="0"/>
+            <a:endParaRPr lang="en-US" sz="800" dirty="0"/>
+          </a:p>
+          <a:p>
+            <a:r>
+              <a:rPr lang="en-US" sz="800" dirty="0"/>
+              <a:t>    &lt;section&gt;</a:t>
+            </a:r>
+          </a:p>
+          <a:p>
+            <a:r>
+              <a:rPr lang="en-US" sz="800" dirty="0"/>
+              <a:t>        &lt;h2&gt;</a:t>
+            </a:r>
+            <a:r>
+              <a:rPr lang="fa-IR" sz="800" dirty="0"/>
+              <a:t>درباره ما&lt;/</a:t>
+            </a:r>
+            <a:r>
+              <a:rPr lang="en-US" sz="800" dirty="0"/>
+              <a:t>h2&gt;</a:t>
+            </a:r>
+          </a:p>
+          <a:p>
+            <a:r>
+              <a:rPr lang="en-US" sz="800" dirty="0"/>
+              <a:t>        &lt;p&gt;</a:t>
+            </a:r>
+            <a:r>
+              <a:rPr lang="fa-IR" sz="800" dirty="0"/>
+              <a:t>ما یک شرکت تکنولوژی هستیم.&lt;/</a:t>
+            </a:r>
+            <a:r>
+              <a:rPr lang="en-US" sz="800" dirty="0"/>
+              <a:t>p&gt;</a:t>
+            </a:r>
+          </a:p>
+          <a:p>
+            <a:r>
+              <a:rPr lang="en-US" sz="800" dirty="0"/>
+              <a:t>    &lt;/section</a:t>
+            </a:r>
+            <a:r>
+              <a:rPr lang="en-US" sz="800" dirty="0" smtClean="0"/>
               <a:t>&gt;</a:t>
             </a:r>
-          </a:p>
-          <a:p>
-            <a:r>
-              <a:rPr lang="en-US" sz="1600" dirty="0" smtClean="0"/>
-              <a:t>    &lt;</a:t>
-            </a:r>
-            <a:r>
-              <a:rPr lang="en-US" sz="1600" dirty="0"/>
-              <a:t>link rel="stylesheet" href="styles.css</a:t>
-            </a:r>
-            <a:r>
-              <a:rPr lang="en-US" sz="1600" dirty="0" smtClean="0"/>
-              <a:t>"&gt;</a:t>
-            </a:r>
-            <a:endParaRPr lang="en-US" sz="1600" dirty="0"/>
-          </a:p>
-          <a:p>
-            <a:r>
-              <a:rPr lang="en-US" sz="1600" dirty="0"/>
-              <a:t>&lt;/head&gt;</a:t>
-            </a:r>
-          </a:p>
-          <a:p>
-            <a:r>
-              <a:rPr lang="en-US" sz="1600" dirty="0"/>
-              <a:t>&lt;body&gt;</a:t>
-            </a:r>
-          </a:p>
-          <a:p>
-            <a:r>
-              <a:rPr lang="en-US" sz="1600" dirty="0"/>
-              <a:t>    &lt;h1&gt;</a:t>
-            </a:r>
-            <a:r>
-              <a:rPr lang="fa-IR" sz="1600" dirty="0"/>
-              <a:t>لینک‌دهی در </a:t>
-            </a:r>
-            <a:r>
-              <a:rPr lang="en-US" sz="1600" dirty="0"/>
-              <a:t>HTML&lt;/h1&gt;</a:t>
-            </a:r>
-          </a:p>
-          <a:p>
-            <a:r>
-              <a:rPr lang="en-US" sz="1600" dirty="0"/>
-              <a:t>    </a:t>
-            </a:r>
-            <a:r>
-              <a:rPr lang="en-US" sz="1600" dirty="0" smtClean="0"/>
-              <a:t>&lt;a </a:t>
-            </a:r>
-            <a:r>
-              <a:rPr lang="en-US" sz="1600" dirty="0"/>
-              <a:t>href = “#” </a:t>
-            </a:r>
-            <a:r>
-              <a:rPr lang="en-US" sz="1600" dirty="0" smtClean="0"/>
-              <a:t>&gt; this is link&lt;/a&gt;</a:t>
-            </a:r>
-            <a:endParaRPr lang="en-US" sz="1600" dirty="0"/>
-          </a:p>
-          <a:p>
-            <a:r>
-              <a:rPr lang="en-US" sz="1600" dirty="0" smtClean="0"/>
-              <a:t>&lt;/</a:t>
-            </a:r>
-            <a:r>
-              <a:rPr lang="en-US" sz="1600" dirty="0"/>
-              <a:t>body&gt;</a:t>
-            </a:r>
-          </a:p>
-          <a:p>
-            <a:r>
-              <a:rPr lang="en-US" sz="1600" dirty="0"/>
+            <a:endParaRPr lang="en-US" sz="800" dirty="0"/>
+          </a:p>
+          <a:p>
+            <a:r>
+              <a:rPr lang="en-US" sz="800" dirty="0"/>
+              <a:t>    &lt;article&gt;</a:t>
+            </a:r>
+          </a:p>
+          <a:p>
+            <a:r>
+              <a:rPr lang="en-US" sz="800" dirty="0"/>
+              <a:t>        &lt;h2&gt;</a:t>
+            </a:r>
+            <a:r>
+              <a:rPr lang="fa-IR" sz="800" dirty="0"/>
+              <a:t>مقاله مهم&lt;/</a:t>
+            </a:r>
+            <a:r>
+              <a:rPr lang="en-US" sz="800" dirty="0"/>
+              <a:t>h2&gt;</a:t>
+            </a:r>
+          </a:p>
+          <a:p>
+            <a:r>
+              <a:rPr lang="en-US" sz="800" dirty="0"/>
+              <a:t>        &lt;p&gt;</a:t>
+            </a:r>
+            <a:r>
+              <a:rPr lang="fa-IR" sz="800" dirty="0"/>
+              <a:t>این یک مقاله مهم در زمینه برنامه‌نویسی است.&lt;/</a:t>
+            </a:r>
+            <a:r>
+              <a:rPr lang="en-US" sz="800" dirty="0"/>
+              <a:t>p&gt;</a:t>
+            </a:r>
+          </a:p>
+          <a:p>
+            <a:r>
+              <a:rPr lang="en-US" sz="800" dirty="0"/>
+              <a:t>    &lt;/article</a:t>
+            </a:r>
+            <a:r>
+              <a:rPr lang="en-US" sz="800" dirty="0" smtClean="0"/>
+              <a:t>&gt;</a:t>
+            </a:r>
+            <a:endParaRPr lang="en-US" sz="800" dirty="0"/>
+          </a:p>
+          <a:p>
+            <a:r>
+              <a:rPr lang="en-US" sz="800" dirty="0"/>
+              <a:t>    &lt;footer&gt;</a:t>
+            </a:r>
+          </a:p>
+          <a:p>
+            <a:r>
+              <a:rPr lang="en-US" sz="800" dirty="0"/>
+              <a:t>        &lt;p&gt;&amp;copy; 2024 </a:t>
+            </a:r>
+            <a:r>
+              <a:rPr lang="fa-IR" sz="800" dirty="0"/>
+              <a:t>شرکت ما. تمامی حقوق محفوظ است.&lt;/</a:t>
+            </a:r>
+            <a:r>
+              <a:rPr lang="en-US" sz="800" dirty="0"/>
+              <a:t>p&gt;</a:t>
+            </a:r>
+          </a:p>
+          <a:p>
+            <a:r>
+              <a:rPr lang="en-US" sz="800" dirty="0"/>
+              <a:t>    &lt;/footer&gt;</a:t>
+            </a:r>
+          </a:p>
+          <a:p>
+            <a:r>
+              <a:rPr lang="en-US" sz="800" dirty="0"/>
+              <a:t>&lt;/body&gt;</a:t>
+            </a:r>
+          </a:p>
+          <a:p>
+            <a:r>
+              <a:rPr lang="en-US" sz="800" dirty="0"/>
               <a:t>&lt;/html&gt;</a:t>
             </a:r>
+          </a:p>
+          <a:p>
+            <a:endParaRPr lang="en-US" sz="700" dirty="0"/>
           </a:p>
         </p:txBody>
       </p:sp>
@@ -5799,7 +5807,7 @@
         <p:spPr>
           <a:xfrm>
             <a:off x="457200" y="274638"/>
-            <a:ext cx="8229600" cy="639762"/>
+            <a:ext cx="8229600" cy="563562"/>
           </a:xfrm>
         </p:spPr>
         <p:txBody>
@@ -5809,35 +5817,48 @@
           <a:lstStyle/>
           <a:p>
             <a:r>
-              <a:rPr lang="en-US" sz="2400" dirty="0" smtClean="0"/>
-              <a:t>Linking </a:t>
-            </a:r>
-            <a:r>
-              <a:rPr lang="en-US" sz="2400" dirty="0"/>
+              <a:rPr lang="en-US" sz="2000" dirty="0" smtClean="0"/>
+              <a:t>Structural </a:t>
+            </a:r>
+            <a:r>
+              <a:rPr lang="en-US" sz="2000" dirty="0"/>
               <a:t>Tags - </a:t>
             </a:r>
             <a:r>
-              <a:rPr lang="fa-IR" sz="2400" dirty="0"/>
-              <a:t>تگ‌های </a:t>
-            </a:r>
-            <a:r>
-              <a:rPr lang="fa-IR" sz="2400" dirty="0" smtClean="0"/>
-              <a:t>لینک‌دهی</a:t>
-            </a:r>
-            <a:endParaRPr lang="en-US" sz="2400" dirty="0"/>
+              <a:rPr lang="fa-IR" sz="2000" dirty="0"/>
+              <a:t>تگ‌های ساختاری</a:t>
+            </a:r>
+            <a:br>
+              <a:rPr lang="fa-IR" sz="2000" dirty="0"/>
+            </a:br>
+            <a:r>
+              <a:rPr lang="en-US" sz="2000" dirty="0"/>
+              <a:t/>
+            </a:r>
+            <a:br>
+              <a:rPr lang="en-US" sz="2000" dirty="0"/>
+            </a:br>
+            <a:endParaRPr lang="en-US" sz="2000" dirty="0"/>
           </a:p>
         </p:txBody>
       </p:sp>
     </p:spTree>
     <p:extLst>
       <p:ext uri="{BB962C8B-B14F-4D97-AF65-F5344CB8AC3E}">
-        <p14:creationId xmlns:p14="http://schemas.microsoft.com/office/powerpoint/2010/main" val="1579947098"/>
+        <p14:creationId xmlns:p14="http://schemas.microsoft.com/office/powerpoint/2010/main" val="2568510878"/>
       </p:ext>
     </p:extLst>
   </p:cSld>
   <p:clrMapOvr>
     <a:masterClrMapping/>
   </p:clrMapOvr>
+  <p:timing>
+    <p:tnLst>
+      <p:par>
+        <p:cTn id="1" dur="indefinite" restart="never" nodeType="tmRoot"/>
+      </p:par>
+    </p:tnLst>
+  </p:timing>
 </p:sld>
 </file>
 
@@ -5998,6 +6019,13 @@
   <p:clrMapOvr>
     <a:masterClrMapping/>
   </p:clrMapOvr>
+  <p:timing>
+    <p:tnLst>
+      <p:par>
+        <p:cTn id="1" dur="indefinite" restart="never" nodeType="tmRoot"/>
+      </p:par>
+    </p:tnLst>
+  </p:timing>
 </p:sld>
 </file>
 
@@ -8824,11 +8852,7 @@
             </a:r>
             <a:r>
               <a:rPr lang="en-US" sz="1600" dirty="0" smtClean="0"/>
-              <a:t>button, ---- textarea, </a:t>
-            </a:r>
-            <a:r>
-              <a:rPr lang="en-US" sz="1600" dirty="0" smtClean="0"/>
-              <a:t>select</a:t>
+              <a:t>button, ---- textarea, select</a:t>
             </a:r>
             <a:endParaRPr lang="en-US" sz="2000" dirty="0"/>
           </a:p>
@@ -8979,7 +9003,19 @@
             </a:r>
             <a:r>
               <a:rPr lang="en-US" sz="1600" dirty="0"/>
-              <a:t>&lt;meta name="description" content=" LEARN HTML </a:t>
+              <a:t>&lt;meta name="description" </a:t>
+            </a:r>
+            <a:r>
+              <a:rPr lang="fa-IR" sz="1600" dirty="0" smtClean="0"/>
+              <a:t> </a:t>
+            </a:r>
+            <a:r>
+              <a:rPr lang="en-US" sz="1600" dirty="0" smtClean="0"/>
+              <a:t>content</a:t>
+            </a:r>
+            <a:r>
+              <a:rPr lang="en-US" sz="1600" dirty="0"/>
+              <a:t>=" LEARN HTML </a:t>
             </a:r>
             <a:r>
               <a:rPr lang="en-US" sz="1800" dirty="0" smtClean="0"/>
@@ -9060,6 +9096,13 @@
   <p:clrMapOvr>
     <a:masterClrMapping/>
   </p:clrMapOvr>
+  <p:timing>
+    <p:tnLst>
+      <p:par>
+        <p:cTn id="1" dur="indefinite" restart="never" nodeType="tmRoot"/>
+      </p:par>
+    </p:tnLst>
+  </p:timing>
 </p:sld>
 </file>
 
